--- a/project.pptx
+++ b/project.pptx
@@ -137,15 +137,6 @@
 </p:presentation>
 </file>
 
-<file path=ppt/revisionInfo.xml><?xml version="1.0" encoding="utf-8"?>
-<p1510:revInfo xmlns:a="http://schemas.openxmlformats.org/drawingml/2006/main" xmlns:r="http://schemas.openxmlformats.org/officeDocument/2006/relationships" xmlns:p1510="http://schemas.microsoft.com/office/powerpoint/2015/10/main">
-  <p1510:revLst>
-    <p1510:client id="{91DC7F33-670C-43E5-A710-A659F207D2F2}" v="34" dt="2021-01-14T14:52:42.440"/>
-    <p1510:client id="{995D8DEB-DB9E-43B5-86D6-963AB2B8A90B}" v="8" dt="2021-01-14T23:31:51.013"/>
-  </p1510:revLst>
-</p1510:revInfo>
-</file>
-
 <file path=ppt/handoutMasters/handoutMaster1.xml><?xml version="1.0" encoding="utf-8"?>
 <p:handoutMaster xmlns:a="http://schemas.openxmlformats.org/drawingml/2006/main" xmlns:r="http://schemas.openxmlformats.org/officeDocument/2006/relationships" xmlns:p="http://schemas.openxmlformats.org/presentationml/2006/main">
   <p:cSld>
@@ -678,6 +669,91 @@
     </a:lvl9pPr>
   </p:notesStyle>
 </p:notesMaster>
+</file>
+
+<file path=ppt/notesSlides/notesSlide1.xml><?xml version="1.0" encoding="utf-8"?>
+<p:notes xmlns:a="http://schemas.openxmlformats.org/drawingml/2006/main" xmlns:r="http://schemas.openxmlformats.org/officeDocument/2006/relationships" xmlns:p="http://schemas.openxmlformats.org/presentationml/2006/main">
+  <p:cSld>
+    <p:spTree>
+      <p:nvGrpSpPr>
+        <p:cNvPr id="1" name=""/>
+        <p:cNvGrpSpPr/>
+        <p:nvPr/>
+      </p:nvGrpSpPr>
+      <p:grpSpPr>
+        <a:xfrm>
+          <a:off x="0" y="0"/>
+          <a:ext cx="0" cy="0"/>
+          <a:chOff x="0" y="0"/>
+          <a:chExt cx="0" cy="0"/>
+        </a:xfrm>
+      </p:grpSpPr>
+      <p:sp>
+        <p:nvSpPr>
+          <p:cNvPr id="2" name="Slide Image Placeholder 1"/>
+          <p:cNvSpPr>
+            <a:spLocks noGrp="1" noRot="1" noChangeAspect="1"/>
+          </p:cNvSpPr>
+          <p:nvPr>
+            <p:ph type="sldImg"/>
+          </p:nvPr>
+        </p:nvSpPr>
+        <p:spPr/>
+      </p:sp>
+      <p:sp>
+        <p:nvSpPr>
+          <p:cNvPr id="3" name="Notes Placeholder 2"/>
+          <p:cNvSpPr>
+            <a:spLocks noGrp="1"/>
+          </p:cNvSpPr>
+          <p:nvPr>
+            <p:ph type="body" idx="1"/>
+          </p:nvPr>
+        </p:nvSpPr>
+        <p:spPr/>
+        <p:txBody>
+          <a:bodyPr/>
+          <a:lstStyle/>
+          <a:p>
+            <a:endParaRPr lang="en-US" dirty="0"/>
+          </a:p>
+        </p:txBody>
+      </p:sp>
+      <p:sp>
+        <p:nvSpPr>
+          <p:cNvPr id="4" name="Slide Number Placeholder 3"/>
+          <p:cNvSpPr>
+            <a:spLocks noGrp="1"/>
+          </p:cNvSpPr>
+          <p:nvPr>
+            <p:ph type="sldNum" sz="quarter" idx="5"/>
+          </p:nvPr>
+        </p:nvSpPr>
+        <p:spPr/>
+        <p:txBody>
+          <a:bodyPr/>
+          <a:lstStyle/>
+          <a:p>
+            <a:fld id="{A9D42829-8409-4711-B36D-25AE5703B863}" type="slidenum">
+              <a:rPr lang="en-US" smtClean="0"/>
+              <a:pPr/>
+              <a:t>1</a:t>
+            </a:fld>
+            <a:endParaRPr lang="en-US"/>
+          </a:p>
+        </p:txBody>
+      </p:sp>
+    </p:spTree>
+    <p:extLst>
+      <p:ext uri="{BB962C8B-B14F-4D97-AF65-F5344CB8AC3E}">
+        <p14:creationId xmlns:p14="http://schemas.microsoft.com/office/powerpoint/2010/main" val="4193863421"/>
+      </p:ext>
+    </p:extLst>
+  </p:cSld>
+  <p:clrMapOvr>
+    <a:masterClrMapping/>
+  </p:clrMapOvr>
+</p:notes>
 </file>
 
 <file path=ppt/slideLayouts/slideLayout1.xml><?xml version="1.0" encoding="utf-8"?>
@@ -1634,12 +1710,8 @@
               <a:rPr lang="en-IE" dirty="0"/>
             </a:br>
             <a:r>
-              <a:rPr lang="en-IE" dirty="0" err="1"/>
-              <a:t>Zhiqiang</a:t>
-            </a:r>
-            <a:r>
               <a:rPr lang="en-IE" dirty="0"/>
-              <a:t> Que &amp; Kang Gao, Imperial College London</a:t>
+              <a:t>Kang Gao &amp; Zhiqiang Que, Imperial College London</a:t>
             </a:r>
           </a:p>
         </p:txBody>
@@ -1663,7 +1735,7 @@
         <p:spPr>
           <a:xfrm>
             <a:off x="579120" y="1463041"/>
-            <a:ext cx="5364480" cy="4198207"/>
+            <a:ext cx="4824581" cy="4558247"/>
           </a:xfrm>
         </p:spPr>
         <p:txBody>
@@ -1681,7 +1753,7 @@
           <a:p>
             <a:r>
               <a:rPr lang="en-IE" sz="2300" dirty="0"/>
-              <a:t>Finished the performance comparison between pure C++ implementation and FPGA accelerated implementation. FPGA achieves around 25x acceleration.</a:t>
+              <a:t>Finished the performance comparison between pure C++ implementation and FPGA accelerated implementation.                                            FPGA achieves around 26.8x acceleration.</a:t>
             </a:r>
           </a:p>
         </p:txBody>
@@ -1704,8 +1776,8 @@
         </p:nvSpPr>
         <p:spPr>
           <a:xfrm>
-            <a:off x="6248401" y="1463042"/>
-            <a:ext cx="5058564" cy="1168130"/>
+            <a:off x="6248400" y="1340768"/>
+            <a:ext cx="5389213" cy="1168130"/>
           </a:xfrm>
         </p:spPr>
         <p:txBody>
@@ -1719,36 +1791,6 @@
           </a:p>
         </p:txBody>
       </p:sp>
-      <p:pic>
-        <p:nvPicPr>
-          <p:cNvPr id="15" name="图片 14">
-            <a:extLst>
-              <a:ext uri="{FF2B5EF4-FFF2-40B4-BE49-F238E27FC236}">
-                <a16:creationId xmlns:a16="http://schemas.microsoft.com/office/drawing/2014/main" id="{D2368F40-4181-477C-AB7F-7F9199444C00}"/>
-              </a:ext>
-            </a:extLst>
-          </p:cNvPr>
-          <p:cNvPicPr>
-            <a:picLocks noChangeAspect="1"/>
-          </p:cNvPicPr>
-          <p:nvPr/>
-        </p:nvPicPr>
-        <p:blipFill>
-          <a:blip r:embed="rId2"/>
-          <a:stretch>
-            <a:fillRect/>
-          </a:stretch>
-        </p:blipFill>
-        <p:spPr>
-          <a:xfrm>
-            <a:off x="8458518" y="3140968"/>
-            <a:ext cx="3227863" cy="1559036"/>
-          </a:xfrm>
-          <a:prstGeom prst="rect">
-            <a:avLst/>
-          </a:prstGeom>
-        </p:spPr>
-      </p:pic>
       <p:pic>
         <p:nvPicPr>
           <p:cNvPr id="16" name="图片 15">
@@ -1771,7 +1813,7 @@
         </p:blipFill>
         <p:spPr>
           <a:xfrm>
-            <a:off x="8223051" y="4814108"/>
+            <a:off x="7718540" y="3958196"/>
             <a:ext cx="3562036" cy="1559036"/>
           </a:xfrm>
           <a:prstGeom prst="rect">
@@ -1801,7 +1843,7 @@
         </p:blipFill>
         <p:spPr>
           <a:xfrm>
-            <a:off x="5942485" y="2631172"/>
+            <a:off x="5015880" y="2631172"/>
             <a:ext cx="2276475" cy="3771900"/>
           </a:xfrm>
           <a:prstGeom prst="rect">
@@ -1809,6 +1851,293 @@
           </a:prstGeom>
         </p:spPr>
       </p:pic>
+      <p:grpSp>
+        <p:nvGrpSpPr>
+          <p:cNvPr id="4" name="Group 3">
+            <a:extLst>
+              <a:ext uri="{FF2B5EF4-FFF2-40B4-BE49-F238E27FC236}">
+                <a16:creationId xmlns:a16="http://schemas.microsoft.com/office/drawing/2014/main" id="{983961C1-5764-44E9-A534-3F3FD611E516}"/>
+              </a:ext>
+            </a:extLst>
+          </p:cNvPr>
+          <p:cNvGrpSpPr/>
+          <p:nvPr/>
+        </p:nvGrpSpPr>
+        <p:grpSpPr>
+          <a:xfrm>
+            <a:off x="7836689" y="2446028"/>
+            <a:ext cx="3227863" cy="1559036"/>
+            <a:chOff x="8458518" y="3140968"/>
+            <a:chExt cx="3227863" cy="1559036"/>
+          </a:xfrm>
+        </p:grpSpPr>
+        <p:pic>
+          <p:nvPicPr>
+            <p:cNvPr id="15" name="图片 14">
+              <a:extLst>
+                <a:ext uri="{FF2B5EF4-FFF2-40B4-BE49-F238E27FC236}">
+                  <a16:creationId xmlns:a16="http://schemas.microsoft.com/office/drawing/2014/main" id="{D2368F40-4181-477C-AB7F-7F9199444C00}"/>
+                </a:ext>
+              </a:extLst>
+            </p:cNvPr>
+            <p:cNvPicPr>
+              <a:picLocks noChangeAspect="1"/>
+            </p:cNvPicPr>
+            <p:nvPr/>
+          </p:nvPicPr>
+          <p:blipFill>
+            <a:blip r:embed="rId5"/>
+            <a:stretch>
+              <a:fillRect/>
+            </a:stretch>
+          </p:blipFill>
+          <p:spPr>
+            <a:xfrm>
+              <a:off x="8458518" y="3140968"/>
+              <a:ext cx="3227863" cy="1559036"/>
+            </a:xfrm>
+            <a:prstGeom prst="rect">
+              <a:avLst/>
+            </a:prstGeom>
+          </p:spPr>
+        </p:pic>
+        <p:sp>
+          <p:nvSpPr>
+            <p:cNvPr id="2" name="Oval 1">
+              <a:extLst>
+                <a:ext uri="{FF2B5EF4-FFF2-40B4-BE49-F238E27FC236}">
+                  <a16:creationId xmlns:a16="http://schemas.microsoft.com/office/drawing/2014/main" id="{A2E9DF41-0BC1-4562-9175-A4BB3DEF186C}"/>
+                </a:ext>
+              </a:extLst>
+            </p:cNvPr>
+            <p:cNvSpPr/>
+            <p:nvPr/>
+          </p:nvSpPr>
+          <p:spPr>
+            <a:xfrm>
+              <a:off x="10488488" y="3573016"/>
+              <a:ext cx="936104" cy="432048"/>
+            </a:xfrm>
+            <a:prstGeom prst="ellipse">
+              <a:avLst/>
+            </a:prstGeom>
+            <a:noFill/>
+            <a:ln>
+              <a:solidFill>
+                <a:srgbClr val="EB1C23"/>
+              </a:solidFill>
+            </a:ln>
+          </p:spPr>
+          <p:style>
+            <a:lnRef idx="2">
+              <a:schemeClr val="accent1">
+                <a:shade val="50000"/>
+              </a:schemeClr>
+            </a:lnRef>
+            <a:fillRef idx="1">
+              <a:schemeClr val="accent1"/>
+            </a:fillRef>
+            <a:effectRef idx="0">
+              <a:schemeClr val="accent1"/>
+            </a:effectRef>
+            <a:fontRef idx="minor">
+              <a:schemeClr val="lt1"/>
+            </a:fontRef>
+          </p:style>
+          <p:txBody>
+            <a:bodyPr rtlCol="0" anchor="ctr"/>
+            <a:lstStyle/>
+            <a:p>
+              <a:pPr algn="ctr"/>
+              <a:endParaRPr lang="en-US"/>
+            </a:p>
+          </p:txBody>
+        </p:sp>
+      </p:grpSp>
+      <p:graphicFrame>
+        <p:nvGraphicFramePr>
+          <p:cNvPr id="8" name="Table 8">
+            <a:extLst>
+              <a:ext uri="{FF2B5EF4-FFF2-40B4-BE49-F238E27FC236}">
+                <a16:creationId xmlns:a16="http://schemas.microsoft.com/office/drawing/2014/main" id="{B565DDD3-350A-4C75-87AA-F223D301B7F2}"/>
+              </a:ext>
+            </a:extLst>
+          </p:cNvPr>
+          <p:cNvGraphicFramePr>
+            <a:graphicFrameLocks noGrp="1"/>
+          </p:cNvGraphicFramePr>
+          <p:nvPr>
+            <p:extLst>
+              <p:ext uri="{D42A27DB-BD31-4B8C-83A1-F6EECF244321}">
+                <p14:modId xmlns:p14="http://schemas.microsoft.com/office/powerpoint/2010/main" val="1465187706"/>
+              </p:ext>
+            </p:extLst>
+          </p:nvPr>
+        </p:nvGraphicFramePr>
+        <p:xfrm>
+          <a:off x="7680176" y="5661248"/>
+          <a:ext cx="3957438" cy="741680"/>
+        </p:xfrm>
+        <a:graphic>
+          <a:graphicData uri="http://schemas.openxmlformats.org/drawingml/2006/table">
+            <a:tbl>
+              <a:tblPr firstRow="1" bandRow="1">
+                <a:tableStyleId>{073A0DAA-6AF3-43AB-8588-CEC1D06C72B9}</a:tableStyleId>
+              </a:tblPr>
+              <a:tblGrid>
+                <a:gridCol w="1319147">
+                  <a:extLst>
+                    <a:ext uri="{9D8B030D-6E8A-4147-A177-3AD203B41FA5}">
+                      <a16:colId xmlns:a16="http://schemas.microsoft.com/office/drawing/2014/main" val="901327486"/>
+                    </a:ext>
+                  </a:extLst>
+                </a:gridCol>
+                <a:gridCol w="1480897">
+                  <a:extLst>
+                    <a:ext uri="{9D8B030D-6E8A-4147-A177-3AD203B41FA5}">
+                      <a16:colId xmlns:a16="http://schemas.microsoft.com/office/drawing/2014/main" val="3109352139"/>
+                    </a:ext>
+                  </a:extLst>
+                </a:gridCol>
+                <a:gridCol w="1157394">
+                  <a:extLst>
+                    <a:ext uri="{9D8B030D-6E8A-4147-A177-3AD203B41FA5}">
+                      <a16:colId xmlns:a16="http://schemas.microsoft.com/office/drawing/2014/main" val="3021409281"/>
+                    </a:ext>
+                  </a:extLst>
+                </a:gridCol>
+              </a:tblGrid>
+              <a:tr h="370840">
+                <a:tc>
+                  <a:txBody>
+                    <a:bodyPr/>
+                    <a:lstStyle/>
+                    <a:p>
+                      <a:pPr algn="ctr"/>
+                      <a:r>
+                        <a:rPr lang="en-US" altLang="zh-CN" dirty="0"/>
+                        <a:t>CPU (</a:t>
+                      </a:r>
+                      <a:r>
+                        <a:rPr lang="en-US" altLang="zh-CN" dirty="0" err="1"/>
+                        <a:t>ms</a:t>
+                      </a:r>
+                      <a:r>
+                        <a:rPr lang="en-US" altLang="zh-CN" dirty="0"/>
+                        <a:t>)</a:t>
+                      </a:r>
+                      <a:endParaRPr lang="en-US" dirty="0"/>
+                    </a:p>
+                  </a:txBody>
+                  <a:tcPr anchor="ctr">
+                    <a:solidFill>
+                      <a:srgbClr val="0070C0"/>
+                    </a:solidFill>
+                  </a:tcPr>
+                </a:tc>
+                <a:tc>
+                  <a:txBody>
+                    <a:bodyPr/>
+                    <a:lstStyle/>
+                    <a:p>
+                      <a:pPr algn="ctr"/>
+                      <a:r>
+                        <a:rPr lang="en-US" dirty="0"/>
+                        <a:t>FPGA(</a:t>
+                      </a:r>
+                      <a:r>
+                        <a:rPr lang="en-US" dirty="0" err="1"/>
+                        <a:t>ms</a:t>
+                      </a:r>
+                      <a:r>
+                        <a:rPr lang="en-US" dirty="0"/>
+                        <a:t>)</a:t>
+                      </a:r>
+                    </a:p>
+                  </a:txBody>
+                  <a:tcPr anchor="ctr">
+                    <a:solidFill>
+                      <a:srgbClr val="0070C0"/>
+                    </a:solidFill>
+                  </a:tcPr>
+                </a:tc>
+                <a:tc>
+                  <a:txBody>
+                    <a:bodyPr/>
+                    <a:lstStyle/>
+                    <a:p>
+                      <a:pPr algn="ctr"/>
+                      <a:r>
+                        <a:rPr lang="en-US" dirty="0"/>
+                        <a:t>Speedup</a:t>
+                      </a:r>
+                    </a:p>
+                  </a:txBody>
+                  <a:tcPr anchor="ctr">
+                    <a:solidFill>
+                      <a:srgbClr val="0070C0"/>
+                    </a:solidFill>
+                  </a:tcPr>
+                </a:tc>
+                <a:extLst>
+                  <a:ext uri="{0D108BD9-81ED-4DB2-BD59-A6C34878D82A}">
+                    <a16:rowId xmlns:a16="http://schemas.microsoft.com/office/drawing/2014/main" val="1941100466"/>
+                  </a:ext>
+                </a:extLst>
+              </a:tr>
+              <a:tr h="370840">
+                <a:tc>
+                  <a:txBody>
+                    <a:bodyPr/>
+                    <a:lstStyle/>
+                    <a:p>
+                      <a:pPr algn="ctr"/>
+                      <a:r>
+                        <a:rPr lang="en-US" dirty="0"/>
+                        <a:t>0.518</a:t>
+                      </a:r>
+                    </a:p>
+                  </a:txBody>
+                  <a:tcPr anchor="ctr"/>
+                </a:tc>
+                <a:tc>
+                  <a:txBody>
+                    <a:bodyPr/>
+                    <a:lstStyle/>
+                    <a:p>
+                      <a:pPr algn="ctr"/>
+                      <a:r>
+                        <a:rPr lang="en-US" dirty="0"/>
+                        <a:t>0.0193</a:t>
+                      </a:r>
+                    </a:p>
+                  </a:txBody>
+                  <a:tcPr anchor="ctr"/>
+                </a:tc>
+                <a:tc>
+                  <a:txBody>
+                    <a:bodyPr/>
+                    <a:lstStyle/>
+                    <a:p>
+                      <a:pPr algn="ctr"/>
+                      <a:r>
+                        <a:rPr lang="en-US" dirty="0"/>
+                        <a:t>26.8</a:t>
+                      </a:r>
+                    </a:p>
+                  </a:txBody>
+                  <a:tcPr anchor="ctr"/>
+                </a:tc>
+                <a:extLst>
+                  <a:ext uri="{0D108BD9-81ED-4DB2-BD59-A6C34878D82A}">
+                    <a16:rowId xmlns:a16="http://schemas.microsoft.com/office/drawing/2014/main" val="1854927084"/>
+                  </a:ext>
+                </a:extLst>
+              </a:tr>
+            </a:tbl>
+          </a:graphicData>
+        </a:graphic>
+      </p:graphicFrame>
     </p:spTree>
     <p:extLst>
       <p:ext uri="{BB962C8B-B14F-4D97-AF65-F5344CB8AC3E}">
@@ -2669,21 +2998,6 @@
 </file>
 
 <file path=customXml/item1.xml><?xml version="1.0" encoding="utf-8"?>
-<p:properties xmlns:p="http://schemas.microsoft.com/office/2006/metadata/properties" xmlns:xsi="http://www.w3.org/2001/XMLSchema-instance" xmlns:pc="http://schemas.microsoft.com/office/infopath/2007/PartnerControls">
-  <documentManagement/>
-</p:properties>
-</file>
-
-<file path=customXml/item2.xml><?xml version="1.0" encoding="utf-8"?>
-<?mso-contentType ?>
-<FormTemplates xmlns="http://schemas.microsoft.com/sharepoint/v3/contenttype/forms">
-  <Display>DocumentLibraryForm</Display>
-  <Edit>DocumentLibraryForm</Edit>
-  <New>DocumentLibraryForm</New>
-</FormTemplates>
-</file>
-
-<file path=customXml/item3.xml><?xml version="1.0" encoding="utf-8"?>
 <ct:contentTypeSchema xmlns:ct="http://schemas.microsoft.com/office/2006/metadata/contentType" xmlns:ma="http://schemas.microsoft.com/office/2006/metadata/properties/metaAttributes" ct:_="" ma:_="" ma:contentTypeName="Document" ma:contentTypeID="0x010100546B37FA43543848A1392F720DAB8DF3" ma:contentTypeVersion="12" ma:contentTypeDescription="Create a new document." ma:contentTypeScope="" ma:versionID="6df9016afe8d86350a8f3e4f8eed8e9c">
   <xsd:schema xmlns:xsd="http://www.w3.org/2001/XMLSchema" xmlns:xs="http://www.w3.org/2001/XMLSchema" xmlns:p="http://schemas.microsoft.com/office/2006/metadata/properties" xmlns:ns3="cb21ee11-b491-4c7a-a577-a95671055238" xmlns:ns4="cb35b90f-2172-463b-a28b-5ecc8e6d0938" targetNamespace="http://schemas.microsoft.com/office/2006/metadata/properties" ma:root="true" ma:fieldsID="be60cb04b440c17529edc7c4c51975a1" ns3:_="" ns4:_="">
     <xsd:import namespace="cb21ee11-b491-4c7a-a577-a95671055238"/>
@@ -2900,24 +3214,22 @@
 </ct:contentTypeSchema>
 </file>
 
-<file path=customXml/itemProps1.xml><?xml version="1.0" encoding="utf-8"?>
-<ds:datastoreItem xmlns:ds="http://schemas.openxmlformats.org/officeDocument/2006/customXml" ds:itemID="{BDC069C4-8BE5-43DF-9659-84C18D7F1AD9}">
-  <ds:schemaRefs>
-    <ds:schemaRef ds:uri="http://schemas.microsoft.com/office/2006/metadata/properties"/>
-    <ds:schemaRef ds:uri="http://schemas.microsoft.com/office/infopath/2007/PartnerControls"/>
-  </ds:schemaRefs>
-</ds:datastoreItem>
+<file path=customXml/item2.xml><?xml version="1.0" encoding="utf-8"?>
+<?mso-contentType ?>
+<FormTemplates xmlns="http://schemas.microsoft.com/sharepoint/v3/contenttype/forms">
+  <Display>DocumentLibraryForm</Display>
+  <Edit>DocumentLibraryForm</Edit>
+  <New>DocumentLibraryForm</New>
+</FormTemplates>
 </file>
 
-<file path=customXml/itemProps2.xml><?xml version="1.0" encoding="utf-8"?>
-<ds:datastoreItem xmlns:ds="http://schemas.openxmlformats.org/officeDocument/2006/customXml" ds:itemID="{DD93CF04-F355-4EB4-BEFD-BE59B64F447D}">
-  <ds:schemaRefs>
-    <ds:schemaRef ds:uri="http://schemas.microsoft.com/sharepoint/v3/contenttype/forms"/>
-  </ds:schemaRefs>
-</ds:datastoreItem>
+<file path=customXml/item3.xml><?xml version="1.0" encoding="utf-8"?>
+<p:properties xmlns:p="http://schemas.microsoft.com/office/2006/metadata/properties" xmlns:xsi="http://www.w3.org/2001/XMLSchema-instance" xmlns:pc="http://schemas.microsoft.com/office/infopath/2007/PartnerControls">
+  <documentManagement/>
+</p:properties>
 </file>
 
-<file path=customXml/itemProps3.xml><?xml version="1.0" encoding="utf-8"?>
+<file path=customXml/itemProps1.xml><?xml version="1.0" encoding="utf-8"?>
 <ds:datastoreItem xmlns:ds="http://schemas.openxmlformats.org/officeDocument/2006/customXml" ds:itemID="{7DF7A4D1-E745-4810-BCE4-0AFBFA4A3523}">
   <ds:schemaRefs>
     <ds:schemaRef ds:uri="http://schemas.microsoft.com/office/2006/metadata/contentType"/>
@@ -2934,4 +3246,21 @@
     <ds:schemaRef ds:uri="http://schemas.microsoft.com/internal/obd"/>
   </ds:schemaRefs>
 </ds:datastoreItem>
+</file>
+
+<file path=customXml/itemProps2.xml><?xml version="1.0" encoding="utf-8"?>
+<ds:datastoreItem xmlns:ds="http://schemas.openxmlformats.org/officeDocument/2006/customXml" ds:itemID="{DD93CF04-F355-4EB4-BEFD-BE59B64F447D}">
+  <ds:schemaRefs>
+    <ds:schemaRef ds:uri="http://schemas.microsoft.com/sharepoint/v3/contenttype/forms"/>
+  </ds:schemaRefs>
+</ds:datastoreItem>
+</file>
+
+<file path=customXml/itemProps3.xml><?xml version="1.0" encoding="utf-8"?>
+<ds:datastoreItem xmlns:ds="http://schemas.openxmlformats.org/officeDocument/2006/customXml" ds:itemID="{BDC069C4-8BE5-43DF-9659-84C18D7F1AD9}">
+  <ds:schemaRefs>
+    <ds:schemaRef ds:uri="http://schemas.microsoft.com/office/2006/metadata/properties"/>
+    <ds:schemaRef ds:uri="http://schemas.microsoft.com/office/infopath/2007/PartnerControls"/>
+  </ds:schemaRefs>
+</ds:datastoreItem>
 </file>